--- a/Capstone Project/Capstone DAI-002.pptx
+++ b/Capstone Project/Capstone DAI-002.pptx
@@ -9180,7 +9180,15 @@
             </a:r>
             <a:r>
               <a:rPr lang="en-US" dirty="0" err="1"/>
-              <a:t>mendapatkan</a:t>
+              <a:t>mencari</a:t>
+            </a:r>
+            <a:r>
+              <a:rPr lang="en-US" dirty="0"/>
+              <a:t> tau </a:t>
+            </a:r>
+            <a:r>
+              <a:rPr lang="en-US" dirty="0" err="1"/>
+              <a:t>fitur</a:t>
             </a:r>
             <a:r>
               <a:rPr lang="en-US" dirty="0"/>
@@ -9188,23 +9196,7 @@
             </a:r>
             <a:r>
               <a:rPr lang="en-US" dirty="0" err="1"/>
-              <a:t>fitur</a:t>
-            </a:r>
-            <a:r>
-              <a:rPr lang="en-US" dirty="0"/>
-              <a:t> </a:t>
-            </a:r>
-            <a:r>
-              <a:rPr lang="en-US" dirty="0" err="1"/>
               <a:t>apa</a:t>
-            </a:r>
-            <a:r>
-              <a:rPr lang="en-US" dirty="0"/>
-              <a:t> </a:t>
-            </a:r>
-            <a:r>
-              <a:rPr lang="en-US" dirty="0" err="1"/>
-              <a:t>saja</a:t>
             </a:r>
             <a:r>
               <a:rPr lang="en-US" dirty="0"/>
